--- a/Презентация.pptx
+++ b/Презентация.pptx
@@ -7049,7 +7049,7 @@
             <a:fld id="{B61BEF0D-F0BB-DE4B-95CE-6DB70DBA9567}" type="datetimeFigureOut">
               <a:rPr lang="en-US" dirty="0"/>
               <a:pPr/>
-              <a:t>6/19/2024</a:t>
+              <a:t>6/20/2024</a:t>
             </a:fld>
             <a:endParaRPr lang="en-US"/>
           </a:p>
@@ -7342,7 +7342,7 @@
             <a:fld id="{B61BEF0D-F0BB-DE4B-95CE-6DB70DBA9567}" type="datetimeFigureOut">
               <a:rPr lang="en-US" dirty="0"/>
               <a:pPr/>
-              <a:t>6/19/2024</a:t>
+              <a:t>6/20/2024</a:t>
             </a:fld>
             <a:endParaRPr lang="en-US"/>
           </a:p>
@@ -7591,7 +7591,7 @@
             <a:fld id="{B61BEF0D-F0BB-DE4B-95CE-6DB70DBA9567}" type="datetimeFigureOut">
               <a:rPr lang="en-US" dirty="0"/>
               <a:pPr/>
-              <a:t>6/19/2024</a:t>
+              <a:t>6/20/2024</a:t>
             </a:fld>
             <a:endParaRPr lang="en-US"/>
           </a:p>
@@ -8132,7 +8132,7 @@
             <a:fld id="{B61BEF0D-F0BB-DE4B-95CE-6DB70DBA9567}" type="datetimeFigureOut">
               <a:rPr lang="en-US" dirty="0"/>
               <a:pPr/>
-              <a:t>6/19/2024</a:t>
+              <a:t>6/20/2024</a:t>
             </a:fld>
             <a:endParaRPr lang="en-US"/>
           </a:p>
@@ -8381,7 +8381,7 @@
             <a:fld id="{B61BEF0D-F0BB-DE4B-95CE-6DB70DBA9567}" type="datetimeFigureOut">
               <a:rPr lang="en-US" dirty="0"/>
               <a:pPr/>
-              <a:t>6/19/2024</a:t>
+              <a:t>6/20/2024</a:t>
             </a:fld>
             <a:endParaRPr lang="en-US"/>
           </a:p>
@@ -8914,7 +8914,7 @@
             <a:fld id="{B61BEF0D-F0BB-DE4B-95CE-6DB70DBA9567}" type="datetimeFigureOut">
               <a:rPr lang="en-US" dirty="0"/>
               <a:pPr/>
-              <a:t>6/19/2024</a:t>
+              <a:t>6/20/2024</a:t>
             </a:fld>
             <a:endParaRPr lang="en-US"/>
           </a:p>
@@ -9212,7 +9212,7 @@
             <a:fld id="{B61BEF0D-F0BB-DE4B-95CE-6DB70DBA9567}" type="datetimeFigureOut">
               <a:rPr lang="en-US" dirty="0"/>
               <a:pPr/>
-              <a:t>6/19/2024</a:t>
+              <a:t>6/20/2024</a:t>
             </a:fld>
             <a:endParaRPr lang="en-US"/>
           </a:p>
@@ -9386,7 +9386,7 @@
             <a:fld id="{B61BEF0D-F0BB-DE4B-95CE-6DB70DBA9567}" type="datetimeFigureOut">
               <a:rPr lang="en-US" dirty="0"/>
               <a:pPr/>
-              <a:t>6/19/2024</a:t>
+              <a:t>6/20/2024</a:t>
             </a:fld>
             <a:endParaRPr lang="en-US"/>
           </a:p>
@@ -9566,7 +9566,7 @@
             <a:fld id="{B61BEF0D-F0BB-DE4B-95CE-6DB70DBA9567}" type="datetimeFigureOut">
               <a:rPr lang="en-US" dirty="0"/>
               <a:pPr/>
-              <a:t>6/19/2024</a:t>
+              <a:t>6/20/2024</a:t>
             </a:fld>
             <a:endParaRPr lang="en-US"/>
           </a:p>
@@ -9736,7 +9736,7 @@
             <a:fld id="{B61BEF0D-F0BB-DE4B-95CE-6DB70DBA9567}" type="datetimeFigureOut">
               <a:rPr lang="en-US" dirty="0"/>
               <a:pPr/>
-              <a:t>6/19/2024</a:t>
+              <a:t>6/20/2024</a:t>
             </a:fld>
             <a:endParaRPr lang="en-US"/>
           </a:p>
@@ -9988,7 +9988,7 @@
             <a:fld id="{B61BEF0D-F0BB-DE4B-95CE-6DB70DBA9567}" type="datetimeFigureOut">
               <a:rPr lang="en-US" dirty="0"/>
               <a:pPr/>
-              <a:t>6/19/2024</a:t>
+              <a:t>6/20/2024</a:t>
             </a:fld>
             <a:endParaRPr lang="en-US"/>
           </a:p>
@@ -10284,7 +10284,7 @@
             <a:fld id="{B61BEF0D-F0BB-DE4B-95CE-6DB70DBA9567}" type="datetimeFigureOut">
               <a:rPr lang="en-US" dirty="0"/>
               <a:pPr/>
-              <a:t>6/19/2024</a:t>
+              <a:t>6/20/2024</a:t>
             </a:fld>
             <a:endParaRPr lang="en-US"/>
           </a:p>
@@ -10725,7 +10725,7 @@
             <a:fld id="{B61BEF0D-F0BB-DE4B-95CE-6DB70DBA9567}" type="datetimeFigureOut">
               <a:rPr lang="en-US" dirty="0"/>
               <a:pPr/>
-              <a:t>6/19/2024</a:t>
+              <a:t>6/20/2024</a:t>
             </a:fld>
             <a:endParaRPr lang="en-US"/>
           </a:p>
@@ -10844,7 +10844,7 @@
             <a:fld id="{B61BEF0D-F0BB-DE4B-95CE-6DB70DBA9567}" type="datetimeFigureOut">
               <a:rPr lang="en-US" dirty="0"/>
               <a:pPr/>
-              <a:t>6/19/2024</a:t>
+              <a:t>6/20/2024</a:t>
             </a:fld>
             <a:endParaRPr lang="en-US"/>
           </a:p>
@@ -10941,7 +10941,7 @@
             <a:fld id="{B61BEF0D-F0BB-DE4B-95CE-6DB70DBA9567}" type="datetimeFigureOut">
               <a:rPr lang="en-US" dirty="0"/>
               <a:pPr/>
-              <a:t>6/19/2024</a:t>
+              <a:t>6/20/2024</a:t>
             </a:fld>
             <a:endParaRPr lang="en-US"/>
           </a:p>
@@ -11224,7 +11224,7 @@
             <a:fld id="{B61BEF0D-F0BB-DE4B-95CE-6DB70DBA9567}" type="datetimeFigureOut">
               <a:rPr lang="en-US" dirty="0"/>
               <a:pPr/>
-              <a:t>6/19/2024</a:t>
+              <a:t>6/20/2024</a:t>
             </a:fld>
             <a:endParaRPr lang="en-US"/>
           </a:p>
@@ -11512,7 +11512,7 @@
             <a:fld id="{B61BEF0D-F0BB-DE4B-95CE-6DB70DBA9567}" type="datetimeFigureOut">
               <a:rPr lang="en-US" dirty="0"/>
               <a:pPr/>
-              <a:t>6/19/2024</a:t>
+              <a:t>6/20/2024</a:t>
             </a:fld>
             <a:endParaRPr lang="en-US"/>
           </a:p>
@@ -12042,7 +12042,7 @@
             <a:fld id="{B61BEF0D-F0BB-DE4B-95CE-6DB70DBA9567}" type="datetimeFigureOut">
               <a:rPr lang="en-US" dirty="0"/>
               <a:pPr/>
-              <a:t>6/19/2024</a:t>
+              <a:t>6/20/2024</a:t>
             </a:fld>
             <a:endParaRPr lang="en-US"/>
           </a:p>
@@ -13480,11 +13480,27 @@
           <a:lstStyle/>
           <a:p>
             <a:r>
+              <a:rPr lang="ru-RU" sz="2000" dirty="0">
+                <a:ea typeface="+mn-lt"/>
+                <a:cs typeface="+mn-lt"/>
+              </a:rPr>
+              <a:t>Понятия и виды доставки.</a:t>
+            </a:r>
+          </a:p>
+          <a:p>
+            <a:r>
+              <a:rPr lang="ru-RU" sz="2000" dirty="0">
+                <a:ea typeface="+mn-lt"/>
+                <a:cs typeface="+mn-lt"/>
+              </a:rPr>
+              <a:t>Какие есть </a:t>
+            </a:r>
+            <a:r>
               <a:rPr lang="ru-RU" sz="2000">
                 <a:ea typeface="+mn-lt"/>
                 <a:cs typeface="+mn-lt"/>
               </a:rPr>
-              <a:t>Понятия и виды доставки.</a:t>
+              <a:t>сервисы доставки</a:t>
             </a:r>
             <a:endParaRPr lang="ru-RU" sz="2000"/>
           </a:p>
